--- a/MySQL Replication.pptx
+++ b/MySQL Replication.pptx
@@ -11,6 +11,9 @@
     <p:sldId id="259" r:id="rId5"/>
     <p:sldId id="260" r:id="rId6"/>
     <p:sldId id="261" r:id="rId7"/>
+    <p:sldId id="264" r:id="rId8"/>
+    <p:sldId id="263" r:id="rId9"/>
+    <p:sldId id="262" r:id="rId10"/>
   </p:sldIdLst>
   <p:sldSz cx="9144000" cy="6858000" type="screen4x3"/>
   <p:notesSz cx="6858000" cy="9144000"/>
@@ -293,7 +296,8 @@
           <a:p>
             <a:fld id="{614498B6-5C27-4C0A-A721-AB328528038C}" type="datetimeFigureOut">
               <a:rPr lang="es-MX" smtClean="0"/>
-              <a:t>05/10/2015</a:t>
+              <a:pPr/>
+              <a:t>06/10/2015</a:t>
             </a:fld>
             <a:endParaRPr lang="es-MX"/>
           </a:p>
@@ -335,6 +339,7 @@
           <a:p>
             <a:fld id="{C6E36A74-0721-4C0B-8756-76EF7E116E7D}" type="slidenum">
               <a:rPr lang="es-MX" smtClean="0"/>
+              <a:pPr/>
               <a:t>‹Nº›</a:t>
             </a:fld>
             <a:endParaRPr lang="es-MX"/>
@@ -458,7 +463,8 @@
           <a:p>
             <a:fld id="{614498B6-5C27-4C0A-A721-AB328528038C}" type="datetimeFigureOut">
               <a:rPr lang="es-MX" smtClean="0"/>
-              <a:t>05/10/2015</a:t>
+              <a:pPr/>
+              <a:t>06/10/2015</a:t>
             </a:fld>
             <a:endParaRPr lang="es-MX"/>
           </a:p>
@@ -500,6 +506,7 @@
           <a:p>
             <a:fld id="{C6E36A74-0721-4C0B-8756-76EF7E116E7D}" type="slidenum">
               <a:rPr lang="es-MX" smtClean="0"/>
+              <a:pPr/>
               <a:t>‹Nº›</a:t>
             </a:fld>
             <a:endParaRPr lang="es-MX"/>
@@ -633,7 +640,8 @@
           <a:p>
             <a:fld id="{614498B6-5C27-4C0A-A721-AB328528038C}" type="datetimeFigureOut">
               <a:rPr lang="es-MX" smtClean="0"/>
-              <a:t>05/10/2015</a:t>
+              <a:pPr/>
+              <a:t>06/10/2015</a:t>
             </a:fld>
             <a:endParaRPr lang="es-MX"/>
           </a:p>
@@ -675,6 +683,7 @@
           <a:p>
             <a:fld id="{C6E36A74-0721-4C0B-8756-76EF7E116E7D}" type="slidenum">
               <a:rPr lang="es-MX" smtClean="0"/>
+              <a:pPr/>
               <a:t>‹Nº›</a:t>
             </a:fld>
             <a:endParaRPr lang="es-MX"/>
@@ -798,7 +807,8 @@
           <a:p>
             <a:fld id="{614498B6-5C27-4C0A-A721-AB328528038C}" type="datetimeFigureOut">
               <a:rPr lang="es-MX" smtClean="0"/>
-              <a:t>05/10/2015</a:t>
+              <a:pPr/>
+              <a:t>06/10/2015</a:t>
             </a:fld>
             <a:endParaRPr lang="es-MX"/>
           </a:p>
@@ -840,6 +850,7 @@
           <a:p>
             <a:fld id="{C6E36A74-0721-4C0B-8756-76EF7E116E7D}" type="slidenum">
               <a:rPr lang="es-MX" smtClean="0"/>
+              <a:pPr/>
               <a:t>‹Nº›</a:t>
             </a:fld>
             <a:endParaRPr lang="es-MX"/>
@@ -1039,7 +1050,8 @@
           <a:p>
             <a:fld id="{614498B6-5C27-4C0A-A721-AB328528038C}" type="datetimeFigureOut">
               <a:rPr lang="es-MX" smtClean="0"/>
-              <a:t>05/10/2015</a:t>
+              <a:pPr/>
+              <a:t>06/10/2015</a:t>
             </a:fld>
             <a:endParaRPr lang="es-MX"/>
           </a:p>
@@ -1081,6 +1093,7 @@
           <a:p>
             <a:fld id="{C6E36A74-0721-4C0B-8756-76EF7E116E7D}" type="slidenum">
               <a:rPr lang="es-MX" smtClean="0"/>
+              <a:pPr/>
               <a:t>‹Nº›</a:t>
             </a:fld>
             <a:endParaRPr lang="es-MX"/>
@@ -1322,7 +1335,8 @@
           <a:p>
             <a:fld id="{614498B6-5C27-4C0A-A721-AB328528038C}" type="datetimeFigureOut">
               <a:rPr lang="es-MX" smtClean="0"/>
-              <a:t>05/10/2015</a:t>
+              <a:pPr/>
+              <a:t>06/10/2015</a:t>
             </a:fld>
             <a:endParaRPr lang="es-MX"/>
           </a:p>
@@ -1364,6 +1378,7 @@
           <a:p>
             <a:fld id="{C6E36A74-0721-4C0B-8756-76EF7E116E7D}" type="slidenum">
               <a:rPr lang="es-MX" smtClean="0"/>
+              <a:pPr/>
               <a:t>‹Nº›</a:t>
             </a:fld>
             <a:endParaRPr lang="es-MX"/>
@@ -1739,7 +1754,8 @@
           <a:p>
             <a:fld id="{614498B6-5C27-4C0A-A721-AB328528038C}" type="datetimeFigureOut">
               <a:rPr lang="es-MX" smtClean="0"/>
-              <a:t>05/10/2015</a:t>
+              <a:pPr/>
+              <a:t>06/10/2015</a:t>
             </a:fld>
             <a:endParaRPr lang="es-MX"/>
           </a:p>
@@ -1781,6 +1797,7 @@
           <a:p>
             <a:fld id="{C6E36A74-0721-4C0B-8756-76EF7E116E7D}" type="slidenum">
               <a:rPr lang="es-MX" smtClean="0"/>
+              <a:pPr/>
               <a:t>‹Nº›</a:t>
             </a:fld>
             <a:endParaRPr lang="es-MX"/>
@@ -1852,7 +1869,8 @@
           <a:p>
             <a:fld id="{614498B6-5C27-4C0A-A721-AB328528038C}" type="datetimeFigureOut">
               <a:rPr lang="es-MX" smtClean="0"/>
-              <a:t>05/10/2015</a:t>
+              <a:pPr/>
+              <a:t>06/10/2015</a:t>
             </a:fld>
             <a:endParaRPr lang="es-MX"/>
           </a:p>
@@ -1894,6 +1912,7 @@
           <a:p>
             <a:fld id="{C6E36A74-0721-4C0B-8756-76EF7E116E7D}" type="slidenum">
               <a:rPr lang="es-MX" smtClean="0"/>
+              <a:pPr/>
               <a:t>‹Nº›</a:t>
             </a:fld>
             <a:endParaRPr lang="es-MX"/>
@@ -1942,7 +1961,8 @@
           <a:p>
             <a:fld id="{614498B6-5C27-4C0A-A721-AB328528038C}" type="datetimeFigureOut">
               <a:rPr lang="es-MX" smtClean="0"/>
-              <a:t>05/10/2015</a:t>
+              <a:pPr/>
+              <a:t>06/10/2015</a:t>
             </a:fld>
             <a:endParaRPr lang="es-MX"/>
           </a:p>
@@ -1984,6 +2004,7 @@
           <a:p>
             <a:fld id="{C6E36A74-0721-4C0B-8756-76EF7E116E7D}" type="slidenum">
               <a:rPr lang="es-MX" smtClean="0"/>
+              <a:pPr/>
               <a:t>‹Nº›</a:t>
             </a:fld>
             <a:endParaRPr lang="es-MX"/>
@@ -2214,7 +2235,8 @@
           <a:p>
             <a:fld id="{614498B6-5C27-4C0A-A721-AB328528038C}" type="datetimeFigureOut">
               <a:rPr lang="es-MX" smtClean="0"/>
-              <a:t>05/10/2015</a:t>
+              <a:pPr/>
+              <a:t>06/10/2015</a:t>
             </a:fld>
             <a:endParaRPr lang="es-MX"/>
           </a:p>
@@ -2256,6 +2278,7 @@
           <a:p>
             <a:fld id="{C6E36A74-0721-4C0B-8756-76EF7E116E7D}" type="slidenum">
               <a:rPr lang="es-MX" smtClean="0"/>
+              <a:pPr/>
               <a:t>‹Nº›</a:t>
             </a:fld>
             <a:endParaRPr lang="es-MX"/>
@@ -2462,7 +2485,8 @@
           <a:p>
             <a:fld id="{614498B6-5C27-4C0A-A721-AB328528038C}" type="datetimeFigureOut">
               <a:rPr lang="es-MX" smtClean="0"/>
-              <a:t>05/10/2015</a:t>
+              <a:pPr/>
+              <a:t>06/10/2015</a:t>
             </a:fld>
             <a:endParaRPr lang="es-MX"/>
           </a:p>
@@ -2504,6 +2528,7 @@
           <a:p>
             <a:fld id="{C6E36A74-0721-4C0B-8756-76EF7E116E7D}" type="slidenum">
               <a:rPr lang="es-MX" smtClean="0"/>
+              <a:pPr/>
               <a:t>‹Nº›</a:t>
             </a:fld>
             <a:endParaRPr lang="es-MX"/>
@@ -2670,7 +2695,8 @@
           <a:p>
             <a:fld id="{614498B6-5C27-4C0A-A721-AB328528038C}" type="datetimeFigureOut">
               <a:rPr lang="es-MX" smtClean="0"/>
-              <a:t>05/10/2015</a:t>
+              <a:pPr/>
+              <a:t>06/10/2015</a:t>
             </a:fld>
             <a:endParaRPr lang="es-MX"/>
           </a:p>
@@ -2748,6 +2774,7 @@
           <a:p>
             <a:fld id="{C6E36A74-0721-4C0B-8756-76EF7E116E7D}" type="slidenum">
               <a:rPr lang="es-MX" smtClean="0"/>
+              <a:pPr/>
               <a:t>‹Nº›</a:t>
             </a:fld>
             <a:endParaRPr lang="es-MX"/>
@@ -3908,6 +3935,299 @@
 </p:sld>
 </file>
 
+<file path=ppt/slides/slide7.xml><?xml version="1.0" encoding="utf-8"?>
+<p:sld xmlns:a="http://schemas.openxmlformats.org/drawingml/2006/main" xmlns:r="http://schemas.openxmlformats.org/officeDocument/2006/relationships" xmlns:p="http://schemas.openxmlformats.org/presentationml/2006/main">
+  <p:cSld>
+    <p:spTree>
+      <p:nvGrpSpPr>
+        <p:cNvPr id="1" name=""/>
+        <p:cNvGrpSpPr/>
+        <p:nvPr/>
+      </p:nvGrpSpPr>
+      <p:grpSpPr>
+        <a:xfrm>
+          <a:off x="0" y="0"/>
+          <a:ext cx="0" cy="0"/>
+          <a:chOff x="0" y="0"/>
+          <a:chExt cx="0" cy="0"/>
+        </a:xfrm>
+      </p:grpSpPr>
+      <p:sp>
+        <p:nvSpPr>
+          <p:cNvPr id="2" name="1 Título"/>
+          <p:cNvSpPr>
+            <a:spLocks noGrp="1"/>
+          </p:cNvSpPr>
+          <p:nvPr>
+            <p:ph type="title"/>
+          </p:nvPr>
+        </p:nvSpPr>
+        <p:spPr/>
+        <p:txBody>
+          <a:bodyPr>
+            <a:normAutofit/>
+          </a:bodyPr>
+          <a:lstStyle/>
+          <a:p>
+            <a:r>
+              <a:rPr lang="en-US" b="1" dirty="0" smtClean="0"/>
+              <a:t>5</a:t>
+            </a:r>
+            <a:r>
+              <a:rPr lang="en-US" b="1" dirty="0" smtClean="0"/>
+              <a:t> </a:t>
+            </a:r>
+            <a:r>
+              <a:rPr lang="en-US" b="1" dirty="0" smtClean="0"/>
+              <a:t>Creating a data snapshot</a:t>
+            </a:r>
+            <a:endParaRPr lang="es-MX" dirty="0"/>
+          </a:p>
+        </p:txBody>
+      </p:sp>
+      <p:sp>
+        <p:nvSpPr>
+          <p:cNvPr id="3" name="2 Marcador de contenido"/>
+          <p:cNvSpPr>
+            <a:spLocks noGrp="1"/>
+          </p:cNvSpPr>
+          <p:nvPr>
+            <p:ph idx="1"/>
+          </p:nvPr>
+        </p:nvSpPr>
+        <p:spPr/>
+        <p:txBody>
+          <a:bodyPr/>
+          <a:lstStyle/>
+          <a:p>
+            <a:r>
+              <a:rPr lang="es-MX" dirty="0" smtClean="0"/>
+              <a:t>Sincronizar la base de datos local y con el servidor.</a:t>
+            </a:r>
+            <a:endParaRPr lang="es-MX" dirty="0"/>
+          </a:p>
+        </p:txBody>
+      </p:sp>
+    </p:spTree>
+  </p:cSld>
+  <p:clrMapOvr>
+    <a:masterClrMapping/>
+  </p:clrMapOvr>
+</p:sld>
+</file>
+
+<file path=ppt/slides/slide8.xml><?xml version="1.0" encoding="utf-8"?>
+<p:sld xmlns:a="http://schemas.openxmlformats.org/drawingml/2006/main" xmlns:r="http://schemas.openxmlformats.org/officeDocument/2006/relationships" xmlns:p="http://schemas.openxmlformats.org/presentationml/2006/main">
+  <p:cSld>
+    <p:spTree>
+      <p:nvGrpSpPr>
+        <p:cNvPr id="1" name=""/>
+        <p:cNvGrpSpPr/>
+        <p:nvPr/>
+      </p:nvGrpSpPr>
+      <p:grpSpPr>
+        <a:xfrm>
+          <a:off x="0" y="0"/>
+          <a:ext cx="0" cy="0"/>
+          <a:chOff x="0" y="0"/>
+          <a:chExt cx="0" cy="0"/>
+        </a:xfrm>
+      </p:grpSpPr>
+      <p:sp>
+        <p:nvSpPr>
+          <p:cNvPr id="2" name="1 Título"/>
+          <p:cNvSpPr>
+            <a:spLocks noGrp="1"/>
+          </p:cNvSpPr>
+          <p:nvPr>
+            <p:ph type="title"/>
+          </p:nvPr>
+        </p:nvSpPr>
+        <p:spPr/>
+        <p:txBody>
+          <a:bodyPr>
+            <a:normAutofit fontScale="90000"/>
+          </a:bodyPr>
+          <a:lstStyle/>
+          <a:p>
+            <a:r>
+              <a:rPr lang="en-US" b="1" dirty="0" smtClean="0"/>
+              <a:t>6 Setting the Master Configuration on the </a:t>
+            </a:r>
+            <a:r>
+              <a:rPr lang="en-US" b="1" dirty="0" smtClean="0"/>
+              <a:t>Slave</a:t>
+            </a:r>
+            <a:r>
+              <a:rPr lang="es-MX" dirty="0" smtClean="0"/>
+              <a:t> </a:t>
+            </a:r>
+            <a:endParaRPr lang="es-MX" dirty="0"/>
+          </a:p>
+        </p:txBody>
+      </p:sp>
+      <p:sp>
+        <p:nvSpPr>
+          <p:cNvPr id="3" name="2 Marcador de contenido"/>
+          <p:cNvSpPr>
+            <a:spLocks noGrp="1"/>
+          </p:cNvSpPr>
+          <p:nvPr>
+            <p:ph idx="1"/>
+          </p:nvPr>
+        </p:nvSpPr>
+        <p:spPr>
+          <a:xfrm>
+            <a:off x="457200" y="1600201"/>
+            <a:ext cx="8229600" cy="2836912"/>
+          </a:xfrm>
+        </p:spPr>
+        <p:txBody>
+          <a:bodyPr/>
+          <a:lstStyle/>
+          <a:p>
+            <a:r>
+              <a:rPr lang="en-US" sz="2800" dirty="0" smtClean="0"/>
+              <a:t>To </a:t>
+            </a:r>
+            <a:r>
+              <a:rPr lang="en-US" sz="2800" dirty="0" smtClean="0"/>
+              <a:t>set up the slave to communicate with the master for replication, you must tell the slave the necessary connection information. To do this, execute the following statement on the slave, replacing the option values with the actual values relevant to your system: </a:t>
+            </a:r>
+          </a:p>
+          <a:p>
+            <a:pPr>
+              <a:buNone/>
+            </a:pPr>
+            <a:endParaRPr lang="es-MX" dirty="0"/>
+          </a:p>
+        </p:txBody>
+      </p:sp>
+      <p:pic>
+        <p:nvPicPr>
+          <p:cNvPr id="1026" name="Picture 2"/>
+          <p:cNvPicPr>
+            <a:picLocks noChangeAspect="1" noChangeArrowheads="1"/>
+          </p:cNvPicPr>
+          <p:nvPr/>
+        </p:nvPicPr>
+        <p:blipFill>
+          <a:blip r:embed="rId2" cstate="print"/>
+          <a:srcRect/>
+          <a:stretch>
+            <a:fillRect/>
+          </a:stretch>
+        </p:blipFill>
+        <p:spPr bwMode="auto">
+          <a:xfrm>
+            <a:off x="1259632" y="4365104"/>
+            <a:ext cx="6920091" cy="2016224"/>
+          </a:xfrm>
+          <a:prstGeom prst="rect">
+            <a:avLst/>
+          </a:prstGeom>
+          <a:noFill/>
+          <a:ln w="9525">
+            <a:noFill/>
+            <a:miter lim="800000"/>
+            <a:headEnd/>
+            <a:tailEnd/>
+          </a:ln>
+          <a:effectLst/>
+        </p:spPr>
+      </p:pic>
+    </p:spTree>
+  </p:cSld>
+  <p:clrMapOvr>
+    <a:masterClrMapping/>
+  </p:clrMapOvr>
+</p:sld>
+</file>
+
+<file path=ppt/slides/slide9.xml><?xml version="1.0" encoding="utf-8"?>
+<p:sld xmlns:a="http://schemas.openxmlformats.org/drawingml/2006/main" xmlns:r="http://schemas.openxmlformats.org/officeDocument/2006/relationships" xmlns:p="http://schemas.openxmlformats.org/presentationml/2006/main">
+  <p:cSld>
+    <p:spTree>
+      <p:nvGrpSpPr>
+        <p:cNvPr id="1" name=""/>
+        <p:cNvGrpSpPr/>
+        <p:nvPr/>
+      </p:nvGrpSpPr>
+      <p:grpSpPr>
+        <a:xfrm>
+          <a:off x="0" y="0"/>
+          <a:ext cx="0" cy="0"/>
+          <a:chOff x="0" y="0"/>
+          <a:chExt cx="0" cy="0"/>
+        </a:xfrm>
+      </p:grpSpPr>
+      <p:sp>
+        <p:nvSpPr>
+          <p:cNvPr id="2" name="1 Título"/>
+          <p:cNvSpPr>
+            <a:spLocks noGrp="1"/>
+          </p:cNvSpPr>
+          <p:nvPr>
+            <p:ph type="title"/>
+          </p:nvPr>
+        </p:nvSpPr>
+        <p:spPr/>
+        <p:txBody>
+          <a:bodyPr>
+            <a:normAutofit/>
+          </a:bodyPr>
+          <a:lstStyle/>
+          <a:p>
+            <a:r>
+              <a:rPr lang="es-MX" dirty="0" smtClean="0"/>
+              <a:t>Referencia </a:t>
+            </a:r>
+            <a:endParaRPr lang="es-MX" dirty="0"/>
+          </a:p>
+        </p:txBody>
+      </p:sp>
+      <p:sp>
+        <p:nvSpPr>
+          <p:cNvPr id="3" name="2 Marcador de contenido"/>
+          <p:cNvSpPr>
+            <a:spLocks noGrp="1"/>
+          </p:cNvSpPr>
+          <p:nvPr>
+            <p:ph idx="1"/>
+          </p:nvPr>
+        </p:nvSpPr>
+        <p:spPr/>
+        <p:txBody>
+          <a:bodyPr/>
+          <a:lstStyle/>
+          <a:p>
+            <a:r>
+              <a:rPr lang="es-MX" dirty="0" smtClean="0">
+                <a:hlinkClick r:id="rId2"/>
+              </a:rPr>
+              <a:t>https://</a:t>
+            </a:r>
+            <a:r>
+              <a:rPr lang="es-MX" dirty="0" smtClean="0">
+                <a:hlinkClick r:id="rId2"/>
+              </a:rPr>
+              <a:t>dev.mysql.com/doc/refman/5.0/en/replication-howto.html</a:t>
+            </a:r>
+            <a:endParaRPr lang="es-MX" dirty="0" smtClean="0"/>
+          </a:p>
+          <a:p>
+            <a:endParaRPr lang="es-MX" dirty="0"/>
+          </a:p>
+        </p:txBody>
+      </p:sp>
+    </p:spTree>
+  </p:cSld>
+  <p:clrMapOvr>
+    <a:masterClrMapping/>
+  </p:clrMapOvr>
+</p:sld>
+</file>
+
 <file path=ppt/theme/theme1.xml><?xml version="1.0" encoding="utf-8"?>
 <a:theme xmlns:a="http://schemas.openxmlformats.org/drawingml/2006/main" name="Tema de Office">
   <a:themeElements>
